--- a/2013ScalaCamp/Yin-Yang.pptx
+++ b/2013ScalaCamp/Yin-Yang.pptx
@@ -291,7 +291,7 @@
           <a:p>
             <a:fld id="{6A854ABD-3561-4E8C-90C0-024E84D513DB}" type="datetimeFigureOut">
               <a:rPr lang="en-US" smtClean="0"/>
-              <a:t>5/22/2013</a:t>
+              <a:t>30/06/15</a:t>
             </a:fld>
             <a:endParaRPr lang="en-US"/>
           </a:p>
@@ -740,7 +740,7 @@
           <a:p>
             <a:fld id="{2E42CDE9-03A4-4427-873A-34C035745ADA}" type="datetime1">
               <a:rPr lang="en-US" smtClean="0"/>
-              <a:t>5/22/2013</a:t>
+              <a:t>30/06/15</a:t>
             </a:fld>
             <a:endParaRPr lang="en-US"/>
           </a:p>
@@ -910,7 +910,7 @@
           <a:p>
             <a:fld id="{52BF0436-6CF4-4F6B-8820-BA2DAF2C3710}" type="datetime1">
               <a:rPr lang="en-US" smtClean="0"/>
-              <a:t>5/22/2013</a:t>
+              <a:t>30/06/15</a:t>
             </a:fld>
             <a:endParaRPr lang="en-US"/>
           </a:p>
@@ -1090,7 +1090,7 @@
           <a:p>
             <a:fld id="{D52D4741-E674-470A-9224-951BBF254B41}" type="datetime1">
               <a:rPr lang="en-US" smtClean="0"/>
-              <a:t>5/22/2013</a:t>
+              <a:t>30/06/15</a:t>
             </a:fld>
             <a:endParaRPr lang="en-US"/>
           </a:p>
@@ -1292,7 +1292,7 @@
           <a:p>
             <a:fld id="{D316F28D-5B5E-449A-BA29-D6A32AED7F16}" type="datetime1">
               <a:rPr lang="en-US" smtClean="0"/>
-              <a:t>5/22/2013</a:t>
+              <a:t>30/06/15</a:t>
             </a:fld>
             <a:endParaRPr lang="en-US"/>
           </a:p>
@@ -1353,7 +1353,7 @@
   <p:timing>
     <p:tnLst>
       <p:par>
-        <p:cTn id="1" dur="indefinite" restart="never" nodeType="tmRoot"/>
+        <p:cTn xmlns:p14="http://schemas.microsoft.com/office/powerpoint/2010/main" id="1" dur="indefinite" restart="never" nodeType="tmRoot"/>
       </p:par>
     </p:tnLst>
   </p:timing>
@@ -1545,7 +1545,7 @@
           <a:p>
             <a:fld id="{E0C715D9-5F33-40BE-B4B5-03A619C97ADF}" type="datetime1">
               <a:rPr lang="en-US" smtClean="0"/>
-              <a:t>5/22/2013</a:t>
+              <a:t>30/06/15</a:t>
             </a:fld>
             <a:endParaRPr lang="en-US"/>
           </a:p>
@@ -1833,7 +1833,7 @@
           <a:p>
             <a:fld id="{4C9BAC89-80F7-4E99-8849-4C3ECDB12AAE}" type="datetime1">
               <a:rPr lang="en-US" smtClean="0"/>
-              <a:t>5/22/2013</a:t>
+              <a:t>30/06/15</a:t>
             </a:fld>
             <a:endParaRPr lang="en-US"/>
           </a:p>
@@ -2255,7 +2255,7 @@
           <a:p>
             <a:fld id="{D4B99DAC-4E41-4AA6-BC74-DF71BC49778F}" type="datetime1">
               <a:rPr lang="en-US" smtClean="0"/>
-              <a:t>5/22/2013</a:t>
+              <a:t>30/06/15</a:t>
             </a:fld>
             <a:endParaRPr lang="en-US"/>
           </a:p>
@@ -2373,7 +2373,7 @@
           <a:p>
             <a:fld id="{923B8FD0-40EB-4A08-943A-6254AFB63615}" type="datetime1">
               <a:rPr lang="en-US" smtClean="0"/>
-              <a:t>5/22/2013</a:t>
+              <a:t>30/06/15</a:t>
             </a:fld>
             <a:endParaRPr lang="en-US"/>
           </a:p>
@@ -2468,7 +2468,7 @@
           <a:p>
             <a:fld id="{44CEE3E3-4EBD-490C-931F-F91E8E1C83B7}" type="datetime1">
               <a:rPr lang="en-US" smtClean="0"/>
-              <a:t>5/22/2013</a:t>
+              <a:t>30/06/15</a:t>
             </a:fld>
             <a:endParaRPr lang="en-US"/>
           </a:p>
@@ -2745,7 +2745,7 @@
           <a:p>
             <a:fld id="{A3FC48A6-04A7-4707-AD6C-4605CB1BC9BA}" type="datetime1">
               <a:rPr lang="en-US" smtClean="0"/>
-              <a:t>5/22/2013</a:t>
+              <a:t>30/06/15</a:t>
             </a:fld>
             <a:endParaRPr lang="en-US"/>
           </a:p>
@@ -3002,7 +3002,7 @@
           <a:p>
             <a:fld id="{A73C1EAE-E059-454A-B7AE-92AE05331780}" type="datetime1">
               <a:rPr lang="en-US" smtClean="0"/>
-              <a:t>5/22/2013</a:t>
+              <a:t>30/06/15</a:t>
             </a:fld>
             <a:endParaRPr lang="en-US"/>
           </a:p>
@@ -3215,7 +3215,7 @@
           <a:p>
             <a:fld id="{C1CF41E8-30AC-499A-A515-10B30E0F652E}" type="datetime1">
               <a:rPr lang="en-US" smtClean="0"/>
-              <a:t>5/22/2013</a:t>
+              <a:t>30/06/15</a:t>
             </a:fld>
             <a:endParaRPr lang="en-US"/>
           </a:p>
@@ -3656,7 +3656,7 @@
           </a:prstGeom>
           <a:noFill/>
           <a:extLst>
-            <a:ext uri="{909E8E84-426E-40DD-AFC4-6F175D3DCCD1}">
+            <a:ext uri="{909E8E84-426E-40dd-AFC4-6F175D3DCCD1}">
               <a14:hiddenFill xmlns:a14="http://schemas.microsoft.com/office/drawing/2010/main">
                 <a:solidFill>
                   <a:srgbClr val="FFFFFF"/>
@@ -3697,7 +3697,7 @@
           </a:prstGeom>
           <a:noFill/>
           <a:extLst>
-            <a:ext uri="{909E8E84-426E-40DD-AFC4-6F175D3DCCD1}">
+            <a:ext uri="{909E8E84-426E-40dd-AFC4-6F175D3DCCD1}">
               <a14:hiddenFill xmlns:a14="http://schemas.microsoft.com/office/drawing/2010/main">
                 <a:solidFill>
                   <a:srgbClr val="FFFFFF"/>
@@ -3880,7 +3880,7 @@
   <p:timing>
     <p:tnLst>
       <p:par>
-        <p:cTn id="1" dur="indefinite" restart="never" nodeType="tmRoot"/>
+        <p:cTn xmlns:p14="http://schemas.microsoft.com/office/powerpoint/2010/main" id="1" dur="indefinite" restart="never" nodeType="tmRoot"/>
       </p:par>
     </p:tnLst>
   </p:timing>
@@ -4167,7 +4167,7 @@
   <p:timing>
     <p:tnLst>
       <p:par>
-        <p:cTn id="1" dur="indefinite" restart="never" nodeType="tmRoot"/>
+        <p:cTn xmlns:p14="http://schemas.microsoft.com/office/powerpoint/2010/main" id="1" dur="indefinite" restart="never" nodeType="tmRoot"/>
       </p:par>
     </p:tnLst>
   </p:timing>
@@ -4287,7 +4287,7 @@
   <p:timing>
     <p:tnLst>
       <p:par>
-        <p:cTn id="1" dur="indefinite" restart="never" nodeType="tmRoot"/>
+        <p:cTn xmlns:p14="http://schemas.microsoft.com/office/powerpoint/2010/main" id="1" dur="indefinite" restart="never" nodeType="tmRoot"/>
       </p:par>
     </p:tnLst>
   </p:timing>
@@ -4365,7 +4365,7 @@
           </a:prstGeom>
           <a:noFill/>
           <a:extLst>
-            <a:ext uri="{909E8E84-426E-40DD-AFC4-6F175D3DCCD1}">
+            <a:ext uri="{909E8E84-426E-40dd-AFC4-6F175D3DCCD1}">
               <a14:hiddenFill xmlns:a14="http://schemas.microsoft.com/office/drawing/2010/main">
                 <a:solidFill>
                   <a:srgbClr val="FFFFFF"/>
@@ -4458,7 +4458,7 @@
   <p:timing>
     <p:tnLst>
       <p:par>
-        <p:cTn id="1" dur="indefinite" restart="never" nodeType="tmRoot">
+        <p:cTn xmlns:p14="http://schemas.microsoft.com/office/powerpoint/2010/main" id="1" dur="indefinite" restart="never" nodeType="tmRoot">
           <p:childTnLst>
             <p:seq concurrent="1" nextAc="seek">
               <p:cTn id="2" dur="indefinite" nodeType="mainSeq">
@@ -4961,7 +4961,7 @@
   <p:timing>
     <p:tnLst>
       <p:par>
-        <p:cTn id="1" dur="indefinite" restart="never" nodeType="tmRoot">
+        <p:cTn xmlns:p14="http://schemas.microsoft.com/office/powerpoint/2010/main" id="1" dur="indefinite" restart="never" nodeType="tmRoot">
           <p:childTnLst>
             <p:seq concurrent="1" nextAc="seek">
               <p:cTn id="2" dur="indefinite" nodeType="mainSeq">
@@ -5464,7 +5464,7 @@
           </a:prstGeom>
           <a:noFill/>
           <a:extLst>
-            <a:ext uri="{909E8E84-426E-40DD-AFC4-6F175D3DCCD1}">
+            <a:ext uri="{909E8E84-426E-40dd-AFC4-6F175D3DCCD1}">
               <a14:hiddenFill xmlns:a14="http://schemas.microsoft.com/office/drawing/2010/main">
                 <a:solidFill>
                   <a:srgbClr val="FFFFFF"/>
@@ -5519,14 +5519,14 @@
             <a:noFill/>
           </a:ln>
           <a:extLst>
-            <a:ext uri="{909E8E84-426E-40DD-AFC4-6F175D3DCCD1}">
+            <a:ext uri="{909E8E84-426E-40dd-AFC4-6F175D3DCCD1}">
               <a14:hiddenFill xmlns:a14="http://schemas.microsoft.com/office/drawing/2010/main">
                 <a:solidFill>
                   <a:schemeClr val="accent1"/>
                 </a:solidFill>
               </a14:hiddenFill>
             </a:ext>
-            <a:ext uri="{91240B29-F687-4F45-9708-019B960494DF}">
+            <a:ext uri="{91240B29-F687-4f45-9708-019B960494DF}">
               <a14:hiddenLine xmlns:a14="http://schemas.microsoft.com/office/drawing/2010/main" w="9525">
                 <a:solidFill>
                   <a:schemeClr val="tx1"/>
@@ -5632,7 +5632,7 @@
   <p:timing>
     <p:tnLst>
       <p:par>
-        <p:cTn id="1" dur="indefinite" restart="never" nodeType="tmRoot"/>
+        <p:cTn xmlns:p14="http://schemas.microsoft.com/office/powerpoint/2010/main" id="1" dur="indefinite" restart="never" nodeType="tmRoot"/>
       </p:par>
     </p:tnLst>
   </p:timing>
@@ -6182,14 +6182,14 @@
             <a:noFill/>
           </a:ln>
           <a:extLst>
-            <a:ext uri="{909E8E84-426E-40DD-AFC4-6F175D3DCCD1}">
+            <a:ext uri="{909E8E84-426E-40dd-AFC4-6F175D3DCCD1}">
               <a14:hiddenFill xmlns:a14="http://schemas.microsoft.com/office/drawing/2010/main">
                 <a:solidFill>
                   <a:schemeClr val="accent1"/>
                 </a:solidFill>
               </a14:hiddenFill>
             </a:ext>
-            <a:ext uri="{91240B29-F687-4F45-9708-019B960494DF}">
+            <a:ext uri="{91240B29-F687-4f45-9708-019B960494DF}">
               <a14:hiddenLine xmlns:a14="http://schemas.microsoft.com/office/drawing/2010/main" w="9525">
                 <a:solidFill>
                   <a:schemeClr val="tx1"/>
@@ -6293,7 +6293,7 @@
   <p:timing>
     <p:tnLst>
       <p:par>
-        <p:cTn id="1" dur="indefinite" restart="never" nodeType="tmRoot"/>
+        <p:cTn xmlns:p14="http://schemas.microsoft.com/office/powerpoint/2010/main" id="1" dur="indefinite" restart="never" nodeType="tmRoot"/>
       </p:par>
     </p:tnLst>
   </p:timing>
@@ -6409,7 +6409,7 @@
   <p:timing>
     <p:tnLst>
       <p:par>
-        <p:cTn id="1" dur="indefinite" restart="never" nodeType="tmRoot"/>
+        <p:cTn xmlns:p14="http://schemas.microsoft.com/office/powerpoint/2010/main" id="1" dur="indefinite" restart="never" nodeType="tmRoot"/>
       </p:par>
     </p:tnLst>
   </p:timing>
@@ -6514,7 +6514,7 @@
   <p:timing>
     <p:tnLst>
       <p:par>
-        <p:cTn id="1" dur="indefinite" restart="never" nodeType="tmRoot"/>
+        <p:cTn xmlns:p14="http://schemas.microsoft.com/office/powerpoint/2010/main" id="1" dur="indefinite" restart="never" nodeType="tmRoot"/>
       </p:par>
     </p:tnLst>
   </p:timing>
@@ -6665,7 +6665,7 @@
   <p:timing>
     <p:tnLst>
       <p:par>
-        <p:cTn id="1" dur="indefinite" restart="never" nodeType="tmRoot"/>
+        <p:cTn xmlns:p14="http://schemas.microsoft.com/office/powerpoint/2010/main" id="1" dur="indefinite" restart="never" nodeType="tmRoot"/>
       </p:par>
     </p:tnLst>
   </p:timing>
@@ -7099,7 +7099,7 @@
   <p:timing>
     <p:tnLst>
       <p:par>
-        <p:cTn id="1" dur="indefinite" restart="never" nodeType="tmRoot"/>
+        <p:cTn xmlns:p14="http://schemas.microsoft.com/office/powerpoint/2010/main" id="1" dur="indefinite" restart="never" nodeType="tmRoot"/>
       </p:par>
     </p:tnLst>
   </p:timing>
@@ -7390,7 +7390,7 @@
         </p:nvGrpSpPr>
         <p:grpSpPr>
           <a:xfrm>
-            <a:off x="1005297" y="4380368"/>
+            <a:off x="1005297" y="4419600"/>
             <a:ext cx="6593941" cy="2133600"/>
             <a:chOff x="1005297" y="4380368"/>
             <a:chExt cx="6593941" cy="2133600"/>
@@ -7444,14 +7444,14 @@
                 <a:noFill/>
               </a:ln>
               <a:extLst>
-                <a:ext uri="{909E8E84-426E-40DD-AFC4-6F175D3DCCD1}">
+                <a:ext uri="{909E8E84-426E-40dd-AFC4-6F175D3DCCD1}">
                   <a14:hiddenFill xmlns:a14="http://schemas.microsoft.com/office/drawing/2010/main">
                     <a:solidFill>
                       <a:schemeClr val="accent1"/>
                     </a:solidFill>
                   </a14:hiddenFill>
                 </a:ext>
-                <a:ext uri="{91240B29-F687-4F45-9708-019B960494DF}">
+                <a:ext uri="{91240B29-F687-4f45-9708-019B960494DF}">
                   <a14:hiddenLine xmlns:a14="http://schemas.microsoft.com/office/drawing/2010/main" w="9525">
                     <a:solidFill>
                       <a:schemeClr val="tx1"/>
@@ -7495,7 +7495,7 @@
               </a:prstGeom>
               <a:noFill/>
               <a:extLst>
-                <a:ext uri="{909E8E84-426E-40DD-AFC4-6F175D3DCCD1}">
+                <a:ext uri="{909E8E84-426E-40dd-AFC4-6F175D3DCCD1}">
                   <a14:hiddenFill xmlns:a14="http://schemas.microsoft.com/office/drawing/2010/main">
                     <a:solidFill>
                       <a:srgbClr val="FFFFFF"/>
@@ -7568,7 +7568,7 @@
   <p:timing>
     <p:tnLst>
       <p:par>
-        <p:cTn id="1" dur="indefinite" restart="never" nodeType="tmRoot">
+        <p:cTn xmlns:p14="http://schemas.microsoft.com/office/powerpoint/2010/main" id="1" dur="indefinite" restart="never" nodeType="tmRoot">
           <p:childTnLst>
             <p:seq concurrent="1" nextAc="seek">
               <p:cTn id="2" dur="indefinite" nodeType="mainSeq">
@@ -8223,7 +8223,7 @@
   <p:timing>
     <p:tnLst>
       <p:par>
-        <p:cTn id="1" dur="indefinite" restart="never" nodeType="tmRoot"/>
+        <p:cTn xmlns:p14="http://schemas.microsoft.com/office/powerpoint/2010/main" id="1" dur="indefinite" restart="never" nodeType="tmRoot"/>
       </p:par>
     </p:tnLst>
   </p:timing>
@@ -8714,7 +8714,7 @@
   <p:timing>
     <p:tnLst>
       <p:par>
-        <p:cTn id="1" dur="indefinite" restart="never" nodeType="tmRoot"/>
+        <p:cTn xmlns:p14="http://schemas.microsoft.com/office/powerpoint/2010/main" id="1" dur="indefinite" restart="never" nodeType="tmRoot"/>
       </p:par>
     </p:tnLst>
   </p:timing>
@@ -9185,7 +9185,7 @@
   <p:timing>
     <p:tnLst>
       <p:par>
-        <p:cTn id="1" dur="indefinite" restart="never" nodeType="tmRoot"/>
+        <p:cTn xmlns:p14="http://schemas.microsoft.com/office/powerpoint/2010/main" id="1" dur="indefinite" restart="never" nodeType="tmRoot"/>
       </p:par>
     </p:tnLst>
   </p:timing>
@@ -9639,7 +9639,7 @@
   <p:timing>
     <p:tnLst>
       <p:par>
-        <p:cTn id="1" dur="indefinite" restart="never" nodeType="tmRoot"/>
+        <p:cTn xmlns:p14="http://schemas.microsoft.com/office/powerpoint/2010/main" id="1" dur="indefinite" restart="never" nodeType="tmRoot"/>
       </p:par>
     </p:tnLst>
   </p:timing>
@@ -10185,7 +10185,7 @@
   <p:timing>
     <p:tnLst>
       <p:par>
-        <p:cTn id="1" dur="indefinite" restart="never" nodeType="tmRoot"/>
+        <p:cTn xmlns:p14="http://schemas.microsoft.com/office/powerpoint/2010/main" id="1" dur="indefinite" restart="never" nodeType="tmRoot"/>
       </p:par>
     </p:tnLst>
   </p:timing>
@@ -10650,7 +10650,7 @@
   <p:timing>
     <p:tnLst>
       <p:par>
-        <p:cTn id="1" dur="indefinite" restart="never" nodeType="tmRoot"/>
+        <p:cTn xmlns:p14="http://schemas.microsoft.com/office/powerpoint/2010/main" id="1" dur="indefinite" restart="never" nodeType="tmRoot"/>
       </p:par>
     </p:tnLst>
   </p:timing>
@@ -11096,7 +11096,7 @@
   <p:timing>
     <p:tnLst>
       <p:par>
-        <p:cTn id="1" dur="indefinite" restart="never" nodeType="tmRoot"/>
+        <p:cTn xmlns:p14="http://schemas.microsoft.com/office/powerpoint/2010/main" id="1" dur="indefinite" restart="never" nodeType="tmRoot"/>
       </p:par>
     </p:tnLst>
   </p:timing>
@@ -11247,7 +11247,7 @@
   <p:timing>
     <p:tnLst>
       <p:par>
-        <p:cTn id="1" dur="indefinite" restart="never" nodeType="tmRoot"/>
+        <p:cTn xmlns:p14="http://schemas.microsoft.com/office/powerpoint/2010/main" id="1" dur="indefinite" restart="never" nodeType="tmRoot"/>
       </p:par>
     </p:tnLst>
   </p:timing>
@@ -11530,7 +11530,7 @@
   <p:timing>
     <p:tnLst>
       <p:par>
-        <p:cTn id="1" dur="indefinite" restart="never" nodeType="tmRoot"/>
+        <p:cTn xmlns:p14="http://schemas.microsoft.com/office/powerpoint/2010/main" id="1" dur="indefinite" restart="never" nodeType="tmRoot"/>
       </p:par>
     </p:tnLst>
   </p:timing>
@@ -11715,7 +11715,7 @@
   <p:timing>
     <p:tnLst>
       <p:par>
-        <p:cTn id="1" dur="indefinite" restart="never" nodeType="tmRoot">
+        <p:cTn xmlns:p14="http://schemas.microsoft.com/office/powerpoint/2010/main" id="1" dur="indefinite" restart="never" nodeType="tmRoot">
           <p:childTnLst>
             <p:seq concurrent="1" nextAc="seek">
               <p:cTn id="2" dur="indefinite" nodeType="mainSeq">
@@ -11891,7 +11891,7 @@
           </a:prstGeom>
           <a:noFill/>
           <a:extLst>
-            <a:ext uri="{909E8E84-426E-40DD-AFC4-6F175D3DCCD1}">
+            <a:ext uri="{909E8E84-426E-40dd-AFC4-6F175D3DCCD1}">
               <a14:hiddenFill xmlns:a14="http://schemas.microsoft.com/office/drawing/2010/main">
                 <a:solidFill>
                   <a:srgbClr val="FFFFFF"/>
@@ -11914,7 +11914,7 @@
   <p:timing>
     <p:tnLst>
       <p:par>
-        <p:cTn id="1" dur="indefinite" restart="never" nodeType="tmRoot"/>
+        <p:cTn xmlns:p14="http://schemas.microsoft.com/office/powerpoint/2010/main" id="1" dur="indefinite" restart="never" nodeType="tmRoot"/>
       </p:par>
     </p:tnLst>
   </p:timing>
@@ -12065,7 +12065,7 @@
   <p:timing>
     <p:tnLst>
       <p:par>
-        <p:cTn id="1" dur="indefinite" restart="never" nodeType="tmRoot"/>
+        <p:cTn xmlns:p14="http://schemas.microsoft.com/office/powerpoint/2010/main" id="1" dur="indefinite" restart="never" nodeType="tmRoot"/>
       </p:par>
     </p:tnLst>
   </p:timing>
@@ -12273,7 +12273,7 @@
   <p:timing>
     <p:tnLst>
       <p:par>
-        <p:cTn id="1" dur="indefinite" restart="never" nodeType="tmRoot"/>
+        <p:cTn xmlns:p14="http://schemas.microsoft.com/office/powerpoint/2010/main" id="1" dur="indefinite" restart="never" nodeType="tmRoot"/>
       </p:par>
     </p:tnLst>
   </p:timing>
@@ -12780,7 +12780,7 @@
   <p:timing>
     <p:tnLst>
       <p:par>
-        <p:cTn id="1" dur="indefinite" restart="never" nodeType="tmRoot"/>
+        <p:cTn xmlns:p14="http://schemas.microsoft.com/office/powerpoint/2010/main" id="1" dur="indefinite" restart="never" nodeType="tmRoot"/>
       </p:par>
     </p:tnLst>
   </p:timing>
@@ -12931,7 +12931,7 @@
   <p:timing>
     <p:tnLst>
       <p:par>
-        <p:cTn id="1" dur="indefinite" restart="never" nodeType="tmRoot"/>
+        <p:cTn xmlns:p14="http://schemas.microsoft.com/office/powerpoint/2010/main" id="1" dur="indefinite" restart="never" nodeType="tmRoot"/>
       </p:par>
     </p:tnLst>
   </p:timing>
@@ -13438,7 +13438,7 @@
   <p:timing>
     <p:tnLst>
       <p:par>
-        <p:cTn id="1" dur="indefinite" restart="never" nodeType="tmRoot"/>
+        <p:cTn xmlns:p14="http://schemas.microsoft.com/office/powerpoint/2010/main" id="1" dur="indefinite" restart="never" nodeType="tmRoot"/>
       </p:par>
     </p:tnLst>
   </p:timing>
@@ -13573,7 +13573,7 @@
   <p:timing>
     <p:tnLst>
       <p:par>
-        <p:cTn id="1" dur="indefinite" restart="never" nodeType="tmRoot"/>
+        <p:cTn xmlns:p14="http://schemas.microsoft.com/office/powerpoint/2010/main" id="1" dur="indefinite" restart="never" nodeType="tmRoot"/>
       </p:par>
     </p:tnLst>
   </p:timing>
@@ -13978,7 +13978,7 @@
   <p:timing>
     <p:tnLst>
       <p:par>
-        <p:cTn id="1" dur="indefinite" restart="never" nodeType="tmRoot">
+        <p:cTn xmlns:p14="http://schemas.microsoft.com/office/powerpoint/2010/main" id="1" dur="indefinite" restart="never" nodeType="tmRoot">
           <p:childTnLst>
             <p:seq concurrent="1" nextAc="seek">
               <p:cTn id="2" dur="indefinite" nodeType="mainSeq">
@@ -14575,7 +14575,7 @@
   <p:timing>
     <p:tnLst>
       <p:par>
-        <p:cTn id="1" dur="indefinite" restart="never" nodeType="tmRoot"/>
+        <p:cTn xmlns:p14="http://schemas.microsoft.com/office/powerpoint/2010/main" id="1" dur="indefinite" restart="never" nodeType="tmRoot"/>
       </p:par>
     </p:tnLst>
   </p:timing>
@@ -14696,14 +14696,14 @@
             <a:noFill/>
           </a:ln>
           <a:extLst>
-            <a:ext uri="{909E8E84-426E-40DD-AFC4-6F175D3DCCD1}">
+            <a:ext uri="{909E8E84-426E-40dd-AFC4-6F175D3DCCD1}">
               <a14:hiddenFill xmlns:a14="http://schemas.microsoft.com/office/drawing/2010/main">
                 <a:solidFill>
                   <a:schemeClr val="accent1"/>
                 </a:solidFill>
               </a14:hiddenFill>
             </a:ext>
-            <a:ext uri="{91240B29-F687-4F45-9708-019B960494DF}">
+            <a:ext uri="{91240B29-F687-4f45-9708-019B960494DF}">
               <a14:hiddenLine xmlns:a14="http://schemas.microsoft.com/office/drawing/2010/main" w="9525">
                 <a:solidFill>
                   <a:schemeClr val="tx1"/>
@@ -14729,7 +14729,7 @@
   <p:timing>
     <p:tnLst>
       <p:par>
-        <p:cTn id="1" dur="indefinite" restart="never" nodeType="tmRoot"/>
+        <p:cTn xmlns:p14="http://schemas.microsoft.com/office/powerpoint/2010/main" id="1" dur="indefinite" restart="never" nodeType="tmRoot"/>
       </p:par>
     </p:tnLst>
   </p:timing>
@@ -14874,7 +14874,7 @@
   <p:timing>
     <p:tnLst>
       <p:par>
-        <p:cTn id="1" dur="indefinite" restart="never" nodeType="tmRoot"/>
+        <p:cTn xmlns:p14="http://schemas.microsoft.com/office/powerpoint/2010/main" id="1" dur="indefinite" restart="never" nodeType="tmRoot"/>
       </p:par>
     </p:tnLst>
   </p:timing>
@@ -15790,6 +15790,26 @@
               <a:t>Rep</a:t>
             </a:r>
             <a:r>
+              <a:rPr lang="en-US" sz="2000">
+                <a:solidFill>
+                  <a:srgbClr val="000000"/>
+                </a:solidFill>
+                <a:latin typeface="Consolas" pitchFamily="49" charset="0"/>
+                <a:cs typeface="Consolas" pitchFamily="49" charset="0"/>
+              </a:rPr>
+              <a:t>[</a:t>
+            </a:r>
+            <a:r>
+              <a:rPr lang="en-US" sz="2000" smtClean="0">
+                <a:solidFill>
+                  <a:srgbClr val="000000"/>
+                </a:solidFill>
+                <a:latin typeface="Consolas" pitchFamily="49" charset="0"/>
+                <a:cs typeface="Consolas" pitchFamily="49" charset="0"/>
+              </a:rPr>
+              <a:t>String]) </a:t>
+            </a:r>
+            <a:r>
               <a:rPr lang="en-US" sz="2000" dirty="0">
                 <a:solidFill>
                   <a:srgbClr val="000000"/>
@@ -15797,7 +15817,7 @@
                 <a:latin typeface="Consolas" pitchFamily="49" charset="0"/>
                 <a:cs typeface="Consolas" pitchFamily="49" charset="0"/>
               </a:rPr>
-              <a:t>[String) =       </a:t>
+              <a:t>=       </a:t>
             </a:r>
           </a:p>
           <a:p>
@@ -16014,7 +16034,7 @@
   <p:timing>
     <p:tnLst>
       <p:par>
-        <p:cTn id="1" dur="indefinite" restart="never" nodeType="tmRoot">
+        <p:cTn xmlns:p14="http://schemas.microsoft.com/office/powerpoint/2010/main" id="1" dur="indefinite" restart="never" nodeType="tmRoot">
           <p:childTnLst>
             <p:seq concurrent="1" nextAc="seek">
               <p:cTn id="2" dur="indefinite" nodeType="mainSeq">
@@ -16228,7 +16248,7 @@
   <p:timing>
     <p:tnLst>
       <p:par>
-        <p:cTn id="1" dur="indefinite" restart="never" nodeType="tmRoot"/>
+        <p:cTn xmlns:p14="http://schemas.microsoft.com/office/powerpoint/2010/main" id="1" dur="indefinite" restart="never" nodeType="tmRoot"/>
       </p:par>
     </p:tnLst>
   </p:timing>
@@ -16373,7 +16393,7 @@
   <p:timing>
     <p:tnLst>
       <p:par>
-        <p:cTn id="1" dur="indefinite" restart="never" nodeType="tmRoot"/>
+        <p:cTn xmlns:p14="http://schemas.microsoft.com/office/powerpoint/2010/main" id="1" dur="indefinite" restart="never" nodeType="tmRoot"/>
       </p:par>
     </p:tnLst>
   </p:timing>
@@ -16508,7 +16528,7 @@
   <p:timing>
     <p:tnLst>
       <p:par>
-        <p:cTn id="1" dur="indefinite" restart="never" nodeType="tmRoot"/>
+        <p:cTn xmlns:p14="http://schemas.microsoft.com/office/powerpoint/2010/main" id="1" dur="indefinite" restart="never" nodeType="tmRoot"/>
       </p:par>
     </p:tnLst>
   </p:timing>
@@ -16638,7 +16658,7 @@
   <p:timing>
     <p:tnLst>
       <p:par>
-        <p:cTn id="1" dur="indefinite" restart="never" nodeType="tmRoot"/>
+        <p:cTn xmlns:p14="http://schemas.microsoft.com/office/powerpoint/2010/main" id="1" dur="indefinite" restart="never" nodeType="tmRoot"/>
       </p:par>
     </p:tnLst>
   </p:timing>
@@ -16798,7 +16818,7 @@
   <p:timing>
     <p:tnLst>
       <p:par>
-        <p:cTn id="1" dur="indefinite" restart="never" nodeType="tmRoot"/>
+        <p:cTn xmlns:p14="http://schemas.microsoft.com/office/powerpoint/2010/main" id="1" dur="indefinite" restart="never" nodeType="tmRoot"/>
       </p:par>
     </p:tnLst>
   </p:timing>
@@ -17028,7 +17048,7 @@
   <p:timing>
     <p:tnLst>
       <p:par>
-        <p:cTn id="1" dur="indefinite" restart="never" nodeType="tmRoot"/>
+        <p:cTn xmlns:p14="http://schemas.microsoft.com/office/powerpoint/2010/main" id="1" dur="indefinite" restart="never" nodeType="tmRoot"/>
       </p:par>
     </p:tnLst>
   </p:timing>
@@ -17216,7 +17236,7 @@
   <p:timing>
     <p:tnLst>
       <p:par>
-        <p:cTn id="1" dur="indefinite" restart="never" nodeType="tmRoot"/>
+        <p:cTn xmlns:p14="http://schemas.microsoft.com/office/powerpoint/2010/main" id="1" dur="indefinite" restart="never" nodeType="tmRoot"/>
       </p:par>
     </p:tnLst>
   </p:timing>
@@ -17877,7 +17897,7 @@
   <p:timing>
     <p:tnLst>
       <p:par>
-        <p:cTn id="1" dur="indefinite" restart="never" nodeType="tmRoot"/>
+        <p:cTn xmlns:p14="http://schemas.microsoft.com/office/powerpoint/2010/main" id="1" dur="indefinite" restart="never" nodeType="tmRoot"/>
       </p:par>
     </p:tnLst>
   </p:timing>
@@ -18227,7 +18247,7 @@
   <p:timing>
     <p:tnLst>
       <p:par>
-        <p:cTn id="1" dur="indefinite" restart="never" nodeType="tmRoot">
+        <p:cTn xmlns:p14="http://schemas.microsoft.com/office/powerpoint/2010/main" id="1" dur="indefinite" restart="never" nodeType="tmRoot">
           <p:childTnLst>
             <p:seq concurrent="1" nextAc="seek">
               <p:cTn id="2" dur="indefinite" nodeType="mainSeq">
@@ -18578,7 +18598,7 @@
   <p:timing>
     <p:tnLst>
       <p:par>
-        <p:cTn id="1" dur="indefinite" restart="never" nodeType="tmRoot"/>
+        <p:cTn xmlns:p14="http://schemas.microsoft.com/office/powerpoint/2010/main" id="1" dur="indefinite" restart="never" nodeType="tmRoot"/>
       </p:par>
     </p:tnLst>
   </p:timing>
@@ -18959,7 +18979,7 @@
   <p:timing>
     <p:tnLst>
       <p:par>
-        <p:cTn id="1" dur="indefinite" restart="never" nodeType="tmRoot"/>
+        <p:cTn xmlns:p14="http://schemas.microsoft.com/office/powerpoint/2010/main" id="1" dur="indefinite" restart="never" nodeType="tmRoot"/>
       </p:par>
     </p:tnLst>
   </p:timing>
